--- a/Генератор задач по цифровой электронике.pptx
+++ b/Генератор задач по цифровой электронике.pptx
@@ -5,7 +5,7 @@
     <p:sldMasterId id="2147483684" r:id="rId1"/>
   </p:sldMasterIdLst>
   <p:notesMasterIdLst>
-    <p:notesMasterId r:id="rId9"/>
+    <p:notesMasterId r:id="rId11"/>
   </p:notesMasterIdLst>
   <p:sldIdLst>
     <p:sldId id="256" r:id="rId2"/>
@@ -15,6 +15,8 @@
     <p:sldId id="260" r:id="rId6"/>
     <p:sldId id="258" r:id="rId7"/>
     <p:sldId id="262" r:id="rId8"/>
+    <p:sldId id="264" r:id="rId9"/>
+    <p:sldId id="263" r:id="rId10"/>
   </p:sldIdLst>
   <p:sldSz cx="12192000" cy="6858000"/>
   <p:notesSz cx="6858000" cy="9144000"/>
@@ -113,6 +115,11 @@
       </a:defRPr>
     </a:lvl9pPr>
   </p:defaultTextStyle>
+  <p:extLst>
+    <p:ext uri="{EFAFB233-063F-42B5-8137-9DF3F51BA10A}">
+      <p15:sldGuideLst xmlns:p15="http://schemas.microsoft.com/office/powerpoint/2012/main"/>
+    </p:ext>
+  </p:extLst>
 </p:presentation>
 </file>
 
@@ -4466,8 +4473,8 @@
         </p:blipFill>
         <p:spPr>
           <a:xfrm>
-            <a:off x="3578058" y="349419"/>
-            <a:ext cx="5035884" cy="5605472"/>
+            <a:off x="3102928" y="0"/>
+            <a:ext cx="6310013" cy="7023712"/>
           </a:xfrm>
           <a:prstGeom prst="rect">
             <a:avLst/>
@@ -5178,8 +5185,8 @@
         </p:blipFill>
         <p:spPr>
           <a:xfrm>
-            <a:off x="3587471" y="1233347"/>
-            <a:ext cx="5314428" cy="4391305"/>
+            <a:off x="3013728" y="614783"/>
+            <a:ext cx="6644307" cy="5490182"/>
           </a:xfrm>
           <a:prstGeom prst="rect">
             <a:avLst/>
@@ -5238,8 +5245,8 @@
         </p:blipFill>
         <p:spPr>
           <a:xfrm>
-            <a:off x="3397869" y="721278"/>
-            <a:ext cx="6313599" cy="4863733"/>
+            <a:off x="2886880" y="577842"/>
+            <a:ext cx="7070009" cy="5446440"/>
           </a:xfrm>
           <a:prstGeom prst="rect">
             <a:avLst/>
@@ -5298,8 +5305,8 @@
         </p:blipFill>
         <p:spPr>
           <a:xfrm>
-            <a:off x="3461572" y="1371600"/>
-            <a:ext cx="6541844" cy="4312024"/>
+            <a:off x="3192631" y="1272988"/>
+            <a:ext cx="7480278" cy="4930588"/>
           </a:xfrm>
           <a:prstGeom prst="rect">
             <a:avLst/>
@@ -5441,10 +5448,10 @@
       </p:grpSpPr>
       <p:pic>
         <p:nvPicPr>
-          <p:cNvPr id="3" name="Рисунок 2">
+          <p:cNvPr id="4" name="Рисунок 3">
             <a:extLst>
               <a:ext uri="{FF2B5EF4-FFF2-40B4-BE49-F238E27FC236}">
-                <a16:creationId xmlns:a16="http://schemas.microsoft.com/office/drawing/2014/main" id="{0A0FE19A-C2CE-4E0F-8C1A-E6145020556B}"/>
+                <a16:creationId xmlns:a16="http://schemas.microsoft.com/office/drawing/2014/main" id="{ED1EA6E1-B87E-4B1B-AC78-C2F5E4DFEAE8}"/>
               </a:ext>
             </a:extLst>
           </p:cNvPr>
@@ -5453,16 +5460,15 @@
           </p:cNvPicPr>
           <p:nvPr/>
         </p:nvPicPr>
-        <p:blipFill>
+        <p:blipFill rotWithShape="1">
           <a:blip r:embed="rId2"/>
-          <a:stretch>
-            <a:fillRect/>
-          </a:stretch>
+          <a:srcRect b="5621"/>
+          <a:stretch/>
         </p:blipFill>
         <p:spPr>
           <a:xfrm>
-            <a:off x="0" y="0"/>
-            <a:ext cx="12192000" cy="6858000"/>
+            <a:off x="0" y="192741"/>
+            <a:ext cx="12192000" cy="6472518"/>
           </a:xfrm>
           <a:prstGeom prst="rect">
             <a:avLst/>
@@ -5473,6 +5479,311 @@
     <p:extLst>
       <p:ext uri="{BB962C8B-B14F-4D97-AF65-F5344CB8AC3E}">
         <p14:creationId xmlns:p14="http://schemas.microsoft.com/office/powerpoint/2010/main" val="4139044757"/>
+      </p:ext>
+    </p:extLst>
+  </p:cSld>
+  <p:clrMapOvr>
+    <a:masterClrMapping/>
+  </p:clrMapOvr>
+</p:sld>
+</file>
+
+<file path=ppt/slides/slide8.xml><?xml version="1.0" encoding="utf-8"?>
+<p:sld xmlns:a="http://schemas.openxmlformats.org/drawingml/2006/main" xmlns:r="http://schemas.openxmlformats.org/officeDocument/2006/relationships" xmlns:p="http://schemas.openxmlformats.org/presentationml/2006/main">
+  <p:cSld>
+    <p:spTree>
+      <p:nvGrpSpPr>
+        <p:cNvPr id="1" name=""/>
+        <p:cNvGrpSpPr/>
+        <p:nvPr/>
+      </p:nvGrpSpPr>
+      <p:grpSpPr>
+        <a:xfrm>
+          <a:off x="0" y="0"/>
+          <a:ext cx="0" cy="0"/>
+          <a:chOff x="0" y="0"/>
+          <a:chExt cx="0" cy="0"/>
+        </a:xfrm>
+      </p:grpSpPr>
+      <p:pic>
+        <p:nvPicPr>
+          <p:cNvPr id="2050" name="Picture 2" descr="Python 3.10 release logo">
+            <a:extLst>
+              <a:ext uri="{FF2B5EF4-FFF2-40B4-BE49-F238E27FC236}">
+                <a16:creationId xmlns:a16="http://schemas.microsoft.com/office/drawing/2014/main" id="{99CE3C81-4B75-4358-9C45-BDC4FCFAC465}"/>
+              </a:ext>
+            </a:extLst>
+          </p:cNvPr>
+          <p:cNvPicPr>
+            <a:picLocks noChangeAspect="1" noChangeArrowheads="1"/>
+          </p:cNvPicPr>
+          <p:nvPr/>
+        </p:nvPicPr>
+        <p:blipFill>
+          <a:blip r:embed="rId2">
+            <a:extLst>
+              <a:ext uri="{28A0092B-C50C-407E-A947-70E740481C1C}">
+                <a14:useLocalDpi xmlns:a14="http://schemas.microsoft.com/office/drawing/2010/main" val="0"/>
+              </a:ext>
+            </a:extLst>
+          </a:blip>
+          <a:srcRect/>
+          <a:stretch>
+            <a:fillRect/>
+          </a:stretch>
+        </p:blipFill>
+        <p:spPr bwMode="auto">
+          <a:xfrm>
+            <a:off x="1234609" y="762000"/>
+            <a:ext cx="6334125" cy="5334000"/>
+          </a:xfrm>
+          <a:prstGeom prst="rect">
+            <a:avLst/>
+          </a:prstGeom>
+          <a:noFill/>
+          <a:extLst>
+            <a:ext uri="{909E8E84-426E-40DD-AFC4-6F175D3DCCD1}">
+              <a14:hiddenFill xmlns:a14="http://schemas.microsoft.com/office/drawing/2010/main">
+                <a:solidFill>
+                  <a:srgbClr val="FFFFFF"/>
+                </a:solidFill>
+              </a14:hiddenFill>
+            </a:ext>
+          </a:extLst>
+        </p:spPr>
+      </p:pic>
+      <p:pic>
+        <p:nvPicPr>
+          <p:cNvPr id="2054" name="Picture 6">
+            <a:extLst>
+              <a:ext uri="{FF2B5EF4-FFF2-40B4-BE49-F238E27FC236}">
+                <a16:creationId xmlns:a16="http://schemas.microsoft.com/office/drawing/2014/main" id="{7BB580DB-5B5E-450E-A462-AF6A5068B6F5}"/>
+              </a:ext>
+            </a:extLst>
+          </p:cNvPr>
+          <p:cNvPicPr>
+            <a:picLocks noChangeAspect="1" noChangeArrowheads="1"/>
+          </p:cNvPicPr>
+          <p:nvPr/>
+        </p:nvPicPr>
+        <p:blipFill>
+          <a:blip r:embed="rId3">
+            <a:extLst>
+              <a:ext uri="{28A0092B-C50C-407E-A947-70E740481C1C}">
+                <a14:useLocalDpi xmlns:a14="http://schemas.microsoft.com/office/drawing/2010/main" val="0"/>
+              </a:ext>
+            </a:extLst>
+          </a:blip>
+          <a:srcRect/>
+          <a:stretch>
+            <a:fillRect/>
+          </a:stretch>
+        </p:blipFill>
+        <p:spPr bwMode="auto">
+          <a:xfrm>
+            <a:off x="8472909" y="1762826"/>
+            <a:ext cx="1557336" cy="1557336"/>
+          </a:xfrm>
+          <a:prstGeom prst="rect">
+            <a:avLst/>
+          </a:prstGeom>
+          <a:noFill/>
+          <a:extLst>
+            <a:ext uri="{909E8E84-426E-40DD-AFC4-6F175D3DCCD1}">
+              <a14:hiddenFill xmlns:a14="http://schemas.microsoft.com/office/drawing/2010/main">
+                <a:solidFill>
+                  <a:srgbClr val="FFFFFF"/>
+                </a:solidFill>
+              </a14:hiddenFill>
+            </a:ext>
+          </a:extLst>
+        </p:spPr>
+      </p:pic>
+      <p:pic>
+        <p:nvPicPr>
+          <p:cNvPr id="2056" name="Picture 8" descr="Курсы по программированию. &quot;Лаборатория линуксоида&quot;">
+            <a:extLst>
+              <a:ext uri="{FF2B5EF4-FFF2-40B4-BE49-F238E27FC236}">
+                <a16:creationId xmlns:a16="http://schemas.microsoft.com/office/drawing/2014/main" id="{337F956D-3961-41B2-9AA7-A7AE79F0B0F1}"/>
+              </a:ext>
+            </a:extLst>
+          </p:cNvPr>
+          <p:cNvPicPr>
+            <a:picLocks noChangeAspect="1" noChangeArrowheads="1"/>
+          </p:cNvPicPr>
+          <p:nvPr/>
+        </p:nvPicPr>
+        <p:blipFill>
+          <a:blip r:embed="rId4">
+            <a:extLst>
+              <a:ext uri="{28A0092B-C50C-407E-A947-70E740481C1C}">
+                <a14:useLocalDpi xmlns:a14="http://schemas.microsoft.com/office/drawing/2010/main" val="0"/>
+              </a:ext>
+            </a:extLst>
+          </a:blip>
+          <a:srcRect/>
+          <a:stretch>
+            <a:fillRect/>
+          </a:stretch>
+        </p:blipFill>
+        <p:spPr bwMode="auto">
+          <a:xfrm>
+            <a:off x="8180015" y="4136931"/>
+            <a:ext cx="2143125" cy="2143125"/>
+          </a:xfrm>
+          <a:prstGeom prst="rect">
+            <a:avLst/>
+          </a:prstGeom>
+          <a:noFill/>
+          <a:extLst>
+            <a:ext uri="{909E8E84-426E-40DD-AFC4-6F175D3DCCD1}">
+              <a14:hiddenFill xmlns:a14="http://schemas.microsoft.com/office/drawing/2010/main">
+                <a:solidFill>
+                  <a:srgbClr val="FFFFFF"/>
+                </a:solidFill>
+              </a14:hiddenFill>
+            </a:ext>
+          </a:extLst>
+        </p:spPr>
+      </p:pic>
+    </p:spTree>
+    <p:extLst>
+      <p:ext uri="{BB962C8B-B14F-4D97-AF65-F5344CB8AC3E}">
+        <p14:creationId xmlns:p14="http://schemas.microsoft.com/office/powerpoint/2010/main" val="3911564689"/>
+      </p:ext>
+    </p:extLst>
+  </p:cSld>
+  <p:clrMapOvr>
+    <a:masterClrMapping/>
+  </p:clrMapOvr>
+</p:sld>
+</file>
+
+<file path=ppt/slides/slide9.xml><?xml version="1.0" encoding="utf-8"?>
+<p:sld xmlns:a="http://schemas.openxmlformats.org/drawingml/2006/main" xmlns:r="http://schemas.openxmlformats.org/officeDocument/2006/relationships" xmlns:p="http://schemas.openxmlformats.org/presentationml/2006/main">
+  <p:cSld>
+    <p:spTree>
+      <p:nvGrpSpPr>
+        <p:cNvPr id="1" name=""/>
+        <p:cNvGrpSpPr/>
+        <p:nvPr/>
+      </p:nvGrpSpPr>
+      <p:grpSpPr>
+        <a:xfrm>
+          <a:off x="0" y="0"/>
+          <a:ext cx="0" cy="0"/>
+          <a:chOff x="0" y="0"/>
+          <a:chExt cx="0" cy="0"/>
+        </a:xfrm>
+      </p:grpSpPr>
+      <p:sp>
+        <p:nvSpPr>
+          <p:cNvPr id="2" name="Заголовок 1">
+            <a:extLst>
+              <a:ext uri="{FF2B5EF4-FFF2-40B4-BE49-F238E27FC236}">
+                <a16:creationId xmlns:a16="http://schemas.microsoft.com/office/drawing/2014/main" id="{7FCF3D33-6197-4E17-A654-101BB5D42DBB}"/>
+              </a:ext>
+            </a:extLst>
+          </p:cNvPr>
+          <p:cNvSpPr>
+            <a:spLocks noGrp="1"/>
+          </p:cNvSpPr>
+          <p:nvPr>
+            <p:ph type="title"/>
+          </p:nvPr>
+        </p:nvSpPr>
+        <p:spPr/>
+        <p:txBody>
+          <a:bodyPr/>
+          <a:lstStyle/>
+          <a:p>
+            <a:r>
+              <a:rPr lang="ru-RU" dirty="0"/>
+              <a:t>Спасибо за внимание!</a:t>
+            </a:r>
+          </a:p>
+        </p:txBody>
+      </p:sp>
+      <p:sp>
+        <p:nvSpPr>
+          <p:cNvPr id="3" name="Объект 2">
+            <a:extLst>
+              <a:ext uri="{FF2B5EF4-FFF2-40B4-BE49-F238E27FC236}">
+                <a16:creationId xmlns:a16="http://schemas.microsoft.com/office/drawing/2014/main" id="{AE564A62-087C-4015-B2B5-49A4E834301A}"/>
+              </a:ext>
+            </a:extLst>
+          </p:cNvPr>
+          <p:cNvSpPr>
+            <a:spLocks noGrp="1"/>
+          </p:cNvSpPr>
+          <p:nvPr>
+            <p:ph idx="1"/>
+          </p:nvPr>
+        </p:nvSpPr>
+        <p:spPr/>
+        <p:txBody>
+          <a:bodyPr/>
+          <a:lstStyle/>
+          <a:p>
+            <a:r>
+              <a:rPr lang="en-US" dirty="0"/>
+              <a:t>https://github.com/Kazer0g/NS_Generator.git</a:t>
+            </a:r>
+            <a:endParaRPr lang="ru-RU" dirty="0"/>
+          </a:p>
+        </p:txBody>
+      </p:sp>
+      <p:pic>
+        <p:nvPicPr>
+          <p:cNvPr id="5" name="Picture 2">
+            <a:extLst>
+              <a:ext uri="{FF2B5EF4-FFF2-40B4-BE49-F238E27FC236}">
+                <a16:creationId xmlns:a16="http://schemas.microsoft.com/office/drawing/2014/main" id="{DE7788D3-45D8-48B8-BB0E-1F16B61A83D3}"/>
+              </a:ext>
+            </a:extLst>
+          </p:cNvPr>
+          <p:cNvPicPr>
+            <a:picLocks noChangeAspect="1" noChangeArrowheads="1"/>
+          </p:cNvPicPr>
+          <p:nvPr/>
+        </p:nvPicPr>
+        <p:blipFill>
+          <a:blip r:embed="rId2">
+            <a:extLst>
+              <a:ext uri="{28A0092B-C50C-407E-A947-70E740481C1C}">
+                <a14:useLocalDpi xmlns:a14="http://schemas.microsoft.com/office/drawing/2010/main" val="0"/>
+              </a:ext>
+            </a:extLst>
+          </a:blip>
+          <a:srcRect/>
+          <a:stretch>
+            <a:fillRect/>
+          </a:stretch>
+        </p:blipFill>
+        <p:spPr bwMode="auto">
+          <a:xfrm>
+            <a:off x="4459381" y="2988090"/>
+            <a:ext cx="3273238" cy="3273238"/>
+          </a:xfrm>
+          <a:prstGeom prst="rect">
+            <a:avLst/>
+          </a:prstGeom>
+          <a:noFill/>
+          <a:extLst>
+            <a:ext uri="{909E8E84-426E-40DD-AFC4-6F175D3DCCD1}">
+              <a14:hiddenFill xmlns:a14="http://schemas.microsoft.com/office/drawing/2010/main">
+                <a:solidFill>
+                  <a:srgbClr val="FFFFFF"/>
+                </a:solidFill>
+              </a14:hiddenFill>
+            </a:ext>
+          </a:extLst>
+        </p:spPr>
+      </p:pic>
+    </p:spTree>
+    <p:extLst>
+      <p:ext uri="{BB962C8B-B14F-4D97-AF65-F5344CB8AC3E}">
+        <p14:creationId xmlns:p14="http://schemas.microsoft.com/office/powerpoint/2010/main" val="1062212857"/>
       </p:ext>
     </p:extLst>
   </p:cSld>
